--- a/Employee Data Case Study.pptx
+++ b/Employee Data Case Study.pptx
@@ -21,6 +21,7 @@
     <p:sldId id="273" r:id="rId15"/>
     <p:sldId id="262" r:id="rId16"/>
     <p:sldId id="258" r:id="rId17"/>
+    <p:sldId id="275" r:id="rId18"/>
   </p:sldIdLst>
   <p:sldSz cx="12192000" cy="6858000"/>
   <p:notesSz cx="6858000" cy="9144000"/>
@@ -119,6 +120,11 @@
       </a:defRPr>
     </a:lvl9pPr>
   </p:defaultTextStyle>
+  <p:extLst>
+    <p:ext uri="{EFAFB233-063F-42B5-8137-9DF3F51BA10A}">
+      <p15:sldGuideLst xmlns:p15="http://schemas.microsoft.com/office/powerpoint/2012/main"/>
+    </p:ext>
+  </p:extLst>
 </p:presentation>
 </file>
 
@@ -26345,7 +26351,7 @@
           <a:p>
             <a:fld id="{74CC59FF-79A8-46EB-9958-97A615438021}" type="datetimeFigureOut">
               <a:rPr lang="en-GB" smtClean="0"/>
-              <a:t>25/08/2024</a:t>
+              <a:t>26/08/2024</a:t>
             </a:fld>
             <a:endParaRPr lang="en-GB"/>
           </a:p>
@@ -26543,7 +26549,7 @@
           <a:p>
             <a:fld id="{74CC59FF-79A8-46EB-9958-97A615438021}" type="datetimeFigureOut">
               <a:rPr lang="en-GB" smtClean="0"/>
-              <a:t>25/08/2024</a:t>
+              <a:t>26/08/2024</a:t>
             </a:fld>
             <a:endParaRPr lang="en-GB"/>
           </a:p>
@@ -26751,7 +26757,7 @@
           <a:p>
             <a:fld id="{74CC59FF-79A8-46EB-9958-97A615438021}" type="datetimeFigureOut">
               <a:rPr lang="en-GB" smtClean="0"/>
-              <a:t>25/08/2024</a:t>
+              <a:t>26/08/2024</a:t>
             </a:fld>
             <a:endParaRPr lang="en-GB"/>
           </a:p>
@@ -26949,7 +26955,7 @@
           <a:p>
             <a:fld id="{74CC59FF-79A8-46EB-9958-97A615438021}" type="datetimeFigureOut">
               <a:rPr lang="en-GB" smtClean="0"/>
-              <a:t>25/08/2024</a:t>
+              <a:t>26/08/2024</a:t>
             </a:fld>
             <a:endParaRPr lang="en-GB"/>
           </a:p>
@@ -27224,7 +27230,7 @@
           <a:p>
             <a:fld id="{74CC59FF-79A8-46EB-9958-97A615438021}" type="datetimeFigureOut">
               <a:rPr lang="en-GB" smtClean="0"/>
-              <a:t>25/08/2024</a:t>
+              <a:t>26/08/2024</a:t>
             </a:fld>
             <a:endParaRPr lang="en-GB"/>
           </a:p>
@@ -27489,7 +27495,7 @@
           <a:p>
             <a:fld id="{74CC59FF-79A8-46EB-9958-97A615438021}" type="datetimeFigureOut">
               <a:rPr lang="en-GB" smtClean="0"/>
-              <a:t>25/08/2024</a:t>
+              <a:t>26/08/2024</a:t>
             </a:fld>
             <a:endParaRPr lang="en-GB"/>
           </a:p>
@@ -27901,7 +27907,7 @@
           <a:p>
             <a:fld id="{74CC59FF-79A8-46EB-9958-97A615438021}" type="datetimeFigureOut">
               <a:rPr lang="en-GB" smtClean="0"/>
-              <a:t>25/08/2024</a:t>
+              <a:t>26/08/2024</a:t>
             </a:fld>
             <a:endParaRPr lang="en-GB"/>
           </a:p>
@@ -28042,7 +28048,7 @@
           <a:p>
             <a:fld id="{74CC59FF-79A8-46EB-9958-97A615438021}" type="datetimeFigureOut">
               <a:rPr lang="en-GB" smtClean="0"/>
-              <a:t>25/08/2024</a:t>
+              <a:t>26/08/2024</a:t>
             </a:fld>
             <a:endParaRPr lang="en-GB"/>
           </a:p>
@@ -28155,7 +28161,7 @@
           <a:p>
             <a:fld id="{74CC59FF-79A8-46EB-9958-97A615438021}" type="datetimeFigureOut">
               <a:rPr lang="en-GB" smtClean="0"/>
-              <a:t>25/08/2024</a:t>
+              <a:t>26/08/2024</a:t>
             </a:fld>
             <a:endParaRPr lang="en-GB"/>
           </a:p>
@@ -28466,7 +28472,7 @@
           <a:p>
             <a:fld id="{74CC59FF-79A8-46EB-9958-97A615438021}" type="datetimeFigureOut">
               <a:rPr lang="en-GB" smtClean="0"/>
-              <a:t>25/08/2024</a:t>
+              <a:t>26/08/2024</a:t>
             </a:fld>
             <a:endParaRPr lang="en-GB"/>
           </a:p>
@@ -28754,7 +28760,7 @@
           <a:p>
             <a:fld id="{74CC59FF-79A8-46EB-9958-97A615438021}" type="datetimeFigureOut">
               <a:rPr lang="en-GB" smtClean="0"/>
-              <a:t>25/08/2024</a:t>
+              <a:t>26/08/2024</a:t>
             </a:fld>
             <a:endParaRPr lang="en-GB"/>
           </a:p>
@@ -28995,7 +29001,7 @@
           <a:p>
             <a:fld id="{74CC59FF-79A8-46EB-9958-97A615438021}" type="datetimeFigureOut">
               <a:rPr lang="en-GB" smtClean="0"/>
-              <a:t>25/08/2024</a:t>
+              <a:t>26/08/2024</a:t>
             </a:fld>
             <a:endParaRPr lang="en-GB"/>
           </a:p>
@@ -33328,6 +33334,926 @@
 </p:sld>
 </file>
 
+<file path=ppt/slides/slide17.xml><?xml version="1.0" encoding="utf-8"?>
+<p:sld xmlns:a="http://schemas.openxmlformats.org/drawingml/2006/main" xmlns:r="http://schemas.openxmlformats.org/officeDocument/2006/relationships" xmlns:p="http://schemas.openxmlformats.org/presentationml/2006/main">
+  <p:cSld>
+    <p:bg>
+      <p:bgPr>
+        <a:solidFill>
+          <a:schemeClr val="bg1"/>
+        </a:solidFill>
+        <a:effectLst/>
+      </p:bgPr>
+    </p:bg>
+    <p:spTree>
+      <p:nvGrpSpPr>
+        <p:cNvPr id="1" name=""/>
+        <p:cNvGrpSpPr/>
+        <p:nvPr/>
+      </p:nvGrpSpPr>
+      <p:grpSpPr>
+        <a:xfrm>
+          <a:off x="0" y="0"/>
+          <a:ext cx="0" cy="0"/>
+          <a:chOff x="0" y="0"/>
+          <a:chExt cx="0" cy="0"/>
+        </a:xfrm>
+      </p:grpSpPr>
+      <p:sp useBgFill="1">
+        <p:nvSpPr>
+          <p:cNvPr id="7" name="Rectangle 6">
+            <a:extLst>
+              <a:ext uri="{FF2B5EF4-FFF2-40B4-BE49-F238E27FC236}">
+                <a16:creationId xmlns:a16="http://schemas.microsoft.com/office/drawing/2014/main" id="{59EF30C2-29AC-4A0D-BC0A-A679CF113EDD}"/>
+              </a:ext>
+              <a:ext uri="{C183D7F6-B498-43B3-948B-1728B52AA6E4}">
+                <adec:decorative xmlns:adec="http://schemas.microsoft.com/office/drawing/2017/decorative" val="1"/>
+              </a:ext>
+            </a:extLst>
+          </p:cNvPr>
+          <p:cNvSpPr>
+            <a:spLocks noGrp="1" noRot="1" noChangeAspect="1" noMove="1" noResize="1" noEditPoints="1" noAdjustHandles="1" noChangeArrowheads="1" noChangeShapeType="1" noTextEdit="1"/>
+          </p:cNvSpPr>
+          <p:nvPr>
+            <p:extLst>
+              <p:ext uri="{386F3935-93C4-4BCD-93E2-E3B085C9AB24}">
+                <p16:designElem xmlns:p16="http://schemas.microsoft.com/office/powerpoint/2015/main" val="1"/>
+              </p:ext>
+            </p:extLst>
+          </p:nvPr>
+        </p:nvSpPr>
+        <p:spPr>
+          <a:xfrm>
+            <a:off x="3048" y="0"/>
+            <a:ext cx="12188952" cy="6858000"/>
+          </a:xfrm>
+          <a:prstGeom prst="rect">
+            <a:avLst/>
+          </a:prstGeom>
+          <a:ln>
+            <a:noFill/>
+          </a:ln>
+        </p:spPr>
+        <p:style>
+          <a:lnRef idx="2">
+            <a:schemeClr val="accent1">
+              <a:shade val="50000"/>
+            </a:schemeClr>
+          </a:lnRef>
+          <a:fillRef idx="1">
+            <a:schemeClr val="accent1"/>
+          </a:fillRef>
+          <a:effectRef idx="0">
+            <a:schemeClr val="accent1"/>
+          </a:effectRef>
+          <a:fontRef idx="minor">
+            <a:schemeClr val="lt1"/>
+          </a:fontRef>
+        </p:style>
+        <p:txBody>
+          <a:bodyPr rtlCol="0" anchor="ctr"/>
+          <a:lstStyle/>
+          <a:p>
+            <a:pPr algn="ctr"/>
+            <a:endParaRPr lang="en-US"/>
+          </a:p>
+        </p:txBody>
+      </p:sp>
+      <p:sp>
+        <p:nvSpPr>
+          <p:cNvPr id="9" name="Freeform 13">
+            <a:extLst>
+              <a:ext uri="{FF2B5EF4-FFF2-40B4-BE49-F238E27FC236}">
+                <a16:creationId xmlns:a16="http://schemas.microsoft.com/office/drawing/2014/main" id="{9C682A1A-5B2D-4111-BBD6-620165633E5B}"/>
+              </a:ext>
+              <a:ext uri="{C183D7F6-B498-43B3-948B-1728B52AA6E4}">
+                <adec:decorative xmlns:adec="http://schemas.microsoft.com/office/drawing/2017/decorative" val="1"/>
+              </a:ext>
+            </a:extLst>
+          </p:cNvPr>
+          <p:cNvSpPr>
+            <a:spLocks noGrp="1" noRot="1" noChangeAspect="1" noMove="1" noResize="1" noEditPoints="1" noAdjustHandles="1" noChangeArrowheads="1" noChangeShapeType="1" noTextEdit="1"/>
+          </p:cNvSpPr>
+          <p:nvPr>
+            <p:extLst>
+              <p:ext uri="{386F3935-93C4-4BCD-93E2-E3B085C9AB24}">
+                <p16:designElem xmlns:p16="http://schemas.microsoft.com/office/powerpoint/2015/main" val="1"/>
+              </p:ext>
+            </p:extLst>
+          </p:nvPr>
+        </p:nvSpPr>
+        <p:spPr>
+          <a:xfrm>
+            <a:off x="4000500" y="1087403"/>
+            <a:ext cx="8191500" cy="5770597"/>
+          </a:xfrm>
+          <a:custGeom>
+            <a:avLst/>
+            <a:gdLst>
+              <a:gd name="connsiteX0" fmla="*/ 4929467 w 8191500"/>
+              <a:gd name="connsiteY0" fmla="*/ 0 h 5770597"/>
+              <a:gd name="connsiteX1" fmla="*/ 8065066 w 8191500"/>
+              <a:gd name="connsiteY1" fmla="*/ 1118513 h 5770597"/>
+              <a:gd name="connsiteX2" fmla="*/ 8191500 w 8191500"/>
+              <a:gd name="connsiteY2" fmla="*/ 1227339 h 5770597"/>
+              <a:gd name="connsiteX3" fmla="*/ 8191500 w 8191500"/>
+              <a:gd name="connsiteY3" fmla="*/ 5770597 h 5770597"/>
+              <a:gd name="connsiteX4" fmla="*/ 79523 w 8191500"/>
+              <a:gd name="connsiteY4" fmla="*/ 5770597 h 5770597"/>
+              <a:gd name="connsiteX5" fmla="*/ 56799 w 8191500"/>
+              <a:gd name="connsiteY5" fmla="*/ 5644158 h 5770597"/>
+              <a:gd name="connsiteX6" fmla="*/ 0 w 8191500"/>
+              <a:gd name="connsiteY6" fmla="*/ 4898209 h 5770597"/>
+              <a:gd name="connsiteX7" fmla="*/ 4929467 w 8191500"/>
+              <a:gd name="connsiteY7" fmla="*/ 0 h 5770597"/>
+            </a:gdLst>
+            <a:ahLst/>
+            <a:cxnLst>
+              <a:cxn ang="0">
+                <a:pos x="connsiteX0" y="connsiteY0"/>
+              </a:cxn>
+              <a:cxn ang="0">
+                <a:pos x="connsiteX1" y="connsiteY1"/>
+              </a:cxn>
+              <a:cxn ang="0">
+                <a:pos x="connsiteX2" y="connsiteY2"/>
+              </a:cxn>
+              <a:cxn ang="0">
+                <a:pos x="connsiteX3" y="connsiteY3"/>
+              </a:cxn>
+              <a:cxn ang="0">
+                <a:pos x="connsiteX4" y="connsiteY4"/>
+              </a:cxn>
+              <a:cxn ang="0">
+                <a:pos x="connsiteX5" y="connsiteY5"/>
+              </a:cxn>
+              <a:cxn ang="0">
+                <a:pos x="connsiteX6" y="connsiteY6"/>
+              </a:cxn>
+              <a:cxn ang="0">
+                <a:pos x="connsiteX7" y="connsiteY7"/>
+              </a:cxn>
+            </a:cxnLst>
+            <a:rect l="l" t="t" r="r" b="b"/>
+            <a:pathLst>
+              <a:path w="8191500" h="5770597">
+                <a:moveTo>
+                  <a:pt x="4929467" y="0"/>
+                </a:moveTo>
+                <a:cubicBezTo>
+                  <a:pt x="6120547" y="0"/>
+                  <a:pt x="7212963" y="419755"/>
+                  <a:pt x="8065066" y="1118513"/>
+                </a:cubicBezTo>
+                <a:lnTo>
+                  <a:pt x="8191500" y="1227339"/>
+                </a:lnTo>
+                <a:lnTo>
+                  <a:pt x="8191500" y="5770597"/>
+                </a:lnTo>
+                <a:lnTo>
+                  <a:pt x="79523" y="5770597"/>
+                </a:lnTo>
+                <a:lnTo>
+                  <a:pt x="56799" y="5644158"/>
+                </a:lnTo>
+                <a:cubicBezTo>
+                  <a:pt x="19398" y="5400934"/>
+                  <a:pt x="0" y="5151822"/>
+                  <a:pt x="0" y="4898209"/>
+                </a:cubicBezTo>
+                <a:cubicBezTo>
+                  <a:pt x="0" y="2193003"/>
+                  <a:pt x="2206998" y="0"/>
+                  <a:pt x="4929467" y="0"/>
+                </a:cubicBezTo>
+                <a:close/>
+              </a:path>
+            </a:pathLst>
+          </a:custGeom>
+          <a:solidFill>
+            <a:schemeClr val="accent2"/>
+          </a:solidFill>
+          <a:ln>
+            <a:noFill/>
+          </a:ln>
+        </p:spPr>
+        <p:style>
+          <a:lnRef idx="2">
+            <a:schemeClr val="accent1">
+              <a:shade val="50000"/>
+            </a:schemeClr>
+          </a:lnRef>
+          <a:fillRef idx="1">
+            <a:schemeClr val="accent1"/>
+          </a:fillRef>
+          <a:effectRef idx="0">
+            <a:schemeClr val="accent1"/>
+          </a:effectRef>
+          <a:fontRef idx="minor">
+            <a:schemeClr val="lt1"/>
+          </a:fontRef>
+        </p:style>
+        <p:txBody>
+          <a:bodyPr wrap="square" rtlCol="0" anchor="ctr">
+            <a:noAutofit/>
+          </a:bodyPr>
+          <a:lstStyle/>
+          <a:p>
+            <a:pPr marL="0" marR="0" lvl="0" indent="0" algn="ctr" defTabSz="914400" rtl="0" eaLnBrk="1" fontAlgn="auto" latinLnBrk="0" hangingPunct="1">
+              <a:lnSpc>
+                <a:spcPct val="100000"/>
+              </a:lnSpc>
+              <a:spcBef>
+                <a:spcPts val="0"/>
+              </a:spcBef>
+              <a:spcAft>
+                <a:spcPts val="0"/>
+              </a:spcAft>
+              <a:buClrTx/>
+              <a:buSzTx/>
+              <a:buFontTx/>
+              <a:buNone/>
+              <a:tabLst/>
+              <a:defRPr/>
+            </a:pPr>
+            <a:endParaRPr kumimoji="0" lang="en-US" sz="1800" b="0" i="0" u="none" strike="noStrike" kern="1200" cap="none" spc="0" normalizeH="0" baseline="0" noProof="0">
+              <a:ln>
+                <a:noFill/>
+              </a:ln>
+              <a:solidFill>
+                <a:srgbClr val="FFFFFF"/>
+              </a:solidFill>
+              <a:effectLst/>
+              <a:uLnTx/>
+              <a:uFillTx/>
+              <a:latin typeface="Calibri" panose="020F0502020204030204"/>
+              <a:ea typeface="+mn-ea"/>
+              <a:cs typeface="+mn-cs"/>
+            </a:endParaRPr>
+          </a:p>
+        </p:txBody>
+      </p:sp>
+      <p:sp>
+        <p:nvSpPr>
+          <p:cNvPr id="2" name="Title 1">
+            <a:extLst>
+              <a:ext uri="{FF2B5EF4-FFF2-40B4-BE49-F238E27FC236}">
+                <a16:creationId xmlns:a16="http://schemas.microsoft.com/office/drawing/2014/main" id="{A021A8D6-F22B-2836-238D-8258E3F182C8}"/>
+              </a:ext>
+            </a:extLst>
+          </p:cNvPr>
+          <p:cNvSpPr>
+            <a:spLocks noGrp="1"/>
+          </p:cNvSpPr>
+          <p:nvPr>
+            <p:ph type="title"/>
+          </p:nvPr>
+        </p:nvSpPr>
+        <p:spPr>
+          <a:xfrm>
+            <a:off x="5093520" y="2744662"/>
+            <a:ext cx="6589707" cy="2387600"/>
+          </a:xfrm>
+        </p:spPr>
+        <p:txBody>
+          <a:bodyPr vert="horz" lIns="91440" tIns="45720" rIns="91440" bIns="45720" rtlCol="0" anchor="b">
+            <a:normAutofit/>
+          </a:bodyPr>
+          <a:lstStyle/>
+          <a:p>
+            <a:pPr algn="r"/>
+            <a:r>
+              <a:rPr lang="en-US" sz="6000" kern="1200">
+                <a:solidFill>
+                  <a:srgbClr val="FFFFFF"/>
+                </a:solidFill>
+                <a:latin typeface="+mj-lt"/>
+                <a:ea typeface="+mj-ea"/>
+                <a:cs typeface="+mj-cs"/>
+              </a:rPr>
+              <a:t>THANK YOU</a:t>
+            </a:r>
+          </a:p>
+        </p:txBody>
+      </p:sp>
+      <p:cxnSp>
+        <p:nvCxnSpPr>
+          <p:cNvPr id="11" name="Straight Connector 10">
+            <a:extLst>
+              <a:ext uri="{FF2B5EF4-FFF2-40B4-BE49-F238E27FC236}">
+                <a16:creationId xmlns:a16="http://schemas.microsoft.com/office/drawing/2014/main" id="{266A0658-1CC4-4B0D-AAB7-A702286AFB03}"/>
+              </a:ext>
+              <a:ext uri="{C183D7F6-B498-43B3-948B-1728B52AA6E4}">
+                <adec:decorative xmlns:adec="http://schemas.microsoft.com/office/drawing/2017/decorative" val="1"/>
+              </a:ext>
+            </a:extLst>
+          </p:cNvPr>
+          <p:cNvCxnSpPr>
+            <a:cxnSpLocks noGrp="1" noRot="1" noChangeAspect="1" noMove="1" noResize="1" noEditPoints="1" noAdjustHandles="1" noChangeArrowheads="1" noChangeShapeType="1"/>
+          </p:cNvCxnSpPr>
+          <p:nvPr>
+            <p:extLst>
+              <p:ext uri="{386F3935-93C4-4BCD-93E2-E3B085C9AB24}">
+                <p16:designElem xmlns:p16="http://schemas.microsoft.com/office/powerpoint/2015/main" val="1"/>
+              </p:ext>
+            </p:extLst>
+          </p:nvPr>
+        </p:nvCxnSpPr>
+        <p:spPr>
+          <a:xfrm>
+            <a:off x="406241" y="183933"/>
+            <a:ext cx="0" cy="1597708"/>
+          </a:xfrm>
+          <a:prstGeom prst="line">
+            <a:avLst/>
+          </a:prstGeom>
+          <a:ln w="127000" cap="rnd">
+            <a:solidFill>
+              <a:schemeClr val="accent4"/>
+            </a:solidFill>
+            <a:prstDash val="dash"/>
+          </a:ln>
+        </p:spPr>
+        <p:style>
+          <a:lnRef idx="1">
+            <a:schemeClr val="accent1"/>
+          </a:lnRef>
+          <a:fillRef idx="0">
+            <a:schemeClr val="accent1"/>
+          </a:fillRef>
+          <a:effectRef idx="0">
+            <a:schemeClr val="accent1"/>
+          </a:effectRef>
+          <a:fontRef idx="minor">
+            <a:schemeClr val="tx1"/>
+          </a:fontRef>
+        </p:style>
+      </p:cxnSp>
+      <p:sp>
+        <p:nvSpPr>
+          <p:cNvPr id="13" name="Freeform: Shape 12">
+            <a:extLst>
+              <a:ext uri="{FF2B5EF4-FFF2-40B4-BE49-F238E27FC236}">
+                <a16:creationId xmlns:a16="http://schemas.microsoft.com/office/drawing/2014/main" id="{A04F1504-431A-4D86-9091-AE7E4B33376B}"/>
+              </a:ext>
+              <a:ext uri="{C183D7F6-B498-43B3-948B-1728B52AA6E4}">
+                <adec:decorative xmlns:adec="http://schemas.microsoft.com/office/drawing/2017/decorative" val="1"/>
+              </a:ext>
+            </a:extLst>
+          </p:cNvPr>
+          <p:cNvSpPr>
+            <a:spLocks noGrp="1" noRot="1" noChangeAspect="1" noMove="1" noResize="1" noEditPoints="1" noAdjustHandles="1" noChangeArrowheads="1" noChangeShapeType="1" noTextEdit="1"/>
+          </p:cNvSpPr>
+          <p:nvPr>
+            <p:extLst>
+              <p:ext uri="{386F3935-93C4-4BCD-93E2-E3B085C9AB24}">
+                <p16:designElem xmlns:p16="http://schemas.microsoft.com/office/powerpoint/2015/main" val="1"/>
+              </p:ext>
+            </p:extLst>
+          </p:nvPr>
+        </p:nvSpPr>
+        <p:spPr>
+          <a:xfrm>
+            <a:off x="5292348" y="1"/>
+            <a:ext cx="2279742" cy="1267785"/>
+          </a:xfrm>
+          <a:custGeom>
+            <a:avLst/>
+            <a:gdLst>
+              <a:gd name="connsiteX0" fmla="*/ 0 w 2279742"/>
+              <a:gd name="connsiteY0" fmla="*/ 0 h 1267785"/>
+              <a:gd name="connsiteX1" fmla="*/ 138700 w 2279742"/>
+              <a:gd name="connsiteY1" fmla="*/ 0 h 1267785"/>
+              <a:gd name="connsiteX2" fmla="*/ 138700 w 2279742"/>
+              <a:gd name="connsiteY2" fmla="*/ 1078193 h 1267785"/>
+              <a:gd name="connsiteX3" fmla="*/ 2002733 w 2279742"/>
+              <a:gd name="connsiteY3" fmla="*/ 0 h 1267785"/>
+              <a:gd name="connsiteX4" fmla="*/ 2279742 w 2279742"/>
+              <a:gd name="connsiteY4" fmla="*/ 0 h 1267785"/>
+              <a:gd name="connsiteX5" fmla="*/ 104026 w 2279742"/>
+              <a:gd name="connsiteY5" fmla="*/ 1258503 h 1267785"/>
+              <a:gd name="connsiteX6" fmla="*/ 69351 w 2279742"/>
+              <a:gd name="connsiteY6" fmla="*/ 1267785 h 1267785"/>
+              <a:gd name="connsiteX7" fmla="*/ 0 w 2279742"/>
+              <a:gd name="connsiteY7" fmla="*/ 1198436 h 1267785"/>
+            </a:gdLst>
+            <a:ahLst/>
+            <a:cxnLst>
+              <a:cxn ang="0">
+                <a:pos x="connsiteX0" y="connsiteY0"/>
+              </a:cxn>
+              <a:cxn ang="0">
+                <a:pos x="connsiteX1" y="connsiteY1"/>
+              </a:cxn>
+              <a:cxn ang="0">
+                <a:pos x="connsiteX2" y="connsiteY2"/>
+              </a:cxn>
+              <a:cxn ang="0">
+                <a:pos x="connsiteX3" y="connsiteY3"/>
+              </a:cxn>
+              <a:cxn ang="0">
+                <a:pos x="connsiteX4" y="connsiteY4"/>
+              </a:cxn>
+              <a:cxn ang="0">
+                <a:pos x="connsiteX5" y="connsiteY5"/>
+              </a:cxn>
+              <a:cxn ang="0">
+                <a:pos x="connsiteX6" y="connsiteY6"/>
+              </a:cxn>
+              <a:cxn ang="0">
+                <a:pos x="connsiteX7" y="connsiteY7"/>
+              </a:cxn>
+            </a:cxnLst>
+            <a:rect l="l" t="t" r="r" b="b"/>
+            <a:pathLst>
+              <a:path w="2279742" h="1267785">
+                <a:moveTo>
+                  <a:pt x="0" y="0"/>
+                </a:moveTo>
+                <a:lnTo>
+                  <a:pt x="138700" y="0"/>
+                </a:lnTo>
+                <a:lnTo>
+                  <a:pt x="138700" y="1078193"/>
+                </a:lnTo>
+                <a:lnTo>
+                  <a:pt x="2002733" y="0"/>
+                </a:lnTo>
+                <a:lnTo>
+                  <a:pt x="2279742" y="0"/>
+                </a:lnTo>
+                <a:lnTo>
+                  <a:pt x="104026" y="1258503"/>
+                </a:lnTo>
+                <a:cubicBezTo>
+                  <a:pt x="93484" y="1264595"/>
+                  <a:pt x="81523" y="1267796"/>
+                  <a:pt x="69351" y="1267785"/>
+                </a:cubicBezTo>
+                <a:cubicBezTo>
+                  <a:pt x="31049" y="1267785"/>
+                  <a:pt x="0" y="1236737"/>
+                  <a:pt x="0" y="1198436"/>
+                </a:cubicBezTo>
+                <a:close/>
+              </a:path>
+            </a:pathLst>
+          </a:custGeom>
+          <a:solidFill>
+            <a:schemeClr val="accent6"/>
+          </a:solidFill>
+          <a:ln w="9525" cap="flat">
+            <a:noFill/>
+            <a:prstDash val="solid"/>
+            <a:miter/>
+          </a:ln>
+        </p:spPr>
+        <p:txBody>
+          <a:bodyPr rtlCol="0" anchor="ctr"/>
+          <a:lstStyle/>
+          <a:p>
+            <a:endParaRPr lang="en-US" dirty="0"/>
+          </a:p>
+        </p:txBody>
+      </p:sp>
+      <p:sp>
+        <p:nvSpPr>
+          <p:cNvPr id="15" name="Freeform: Shape 14">
+            <a:extLst>
+              <a:ext uri="{FF2B5EF4-FFF2-40B4-BE49-F238E27FC236}">
+                <a16:creationId xmlns:a16="http://schemas.microsoft.com/office/drawing/2014/main" id="{EA804283-B929-4503-802F-4585376E2B42}"/>
+              </a:ext>
+              <a:ext uri="{C183D7F6-B498-43B3-948B-1728B52AA6E4}">
+                <adec:decorative xmlns:adec="http://schemas.microsoft.com/office/drawing/2017/decorative" val="1"/>
+              </a:ext>
+            </a:extLst>
+          </p:cNvPr>
+          <p:cNvSpPr>
+            <a:spLocks noGrp="1" noRot="1" noChangeAspect="1" noMove="1" noResize="1" noEditPoints="1" noAdjustHandles="1" noChangeArrowheads="1" noChangeShapeType="1" noTextEdit="1"/>
+          </p:cNvSpPr>
+          <p:nvPr>
+            <p:extLst>
+              <p:ext uri="{386F3935-93C4-4BCD-93E2-E3B085C9AB24}">
+                <p16:designElem xmlns:p16="http://schemas.microsoft.com/office/powerpoint/2015/main" val="1"/>
+              </p:ext>
+            </p:extLst>
+          </p:nvPr>
+        </p:nvSpPr>
+        <p:spPr>
+          <a:xfrm>
+            <a:off x="10208695" y="1"/>
+            <a:ext cx="1135066" cy="477997"/>
+          </a:xfrm>
+          <a:custGeom>
+            <a:avLst/>
+            <a:gdLst>
+              <a:gd name="connsiteX0" fmla="*/ 0 w 1135066"/>
+              <a:gd name="connsiteY0" fmla="*/ 0 h 477997"/>
+              <a:gd name="connsiteX1" fmla="*/ 1135066 w 1135066"/>
+              <a:gd name="connsiteY1" fmla="*/ 0 h 477997"/>
+              <a:gd name="connsiteX2" fmla="*/ 1133370 w 1135066"/>
+              <a:gd name="connsiteY2" fmla="*/ 16827 h 477997"/>
+              <a:gd name="connsiteX3" fmla="*/ 567533 w 1135066"/>
+              <a:gd name="connsiteY3" fmla="*/ 477997 h 477997"/>
+              <a:gd name="connsiteX4" fmla="*/ 1696 w 1135066"/>
+              <a:gd name="connsiteY4" fmla="*/ 16827 h 477997"/>
+            </a:gdLst>
+            <a:ahLst/>
+            <a:cxnLst>
+              <a:cxn ang="0">
+                <a:pos x="connsiteX0" y="connsiteY0"/>
+              </a:cxn>
+              <a:cxn ang="0">
+                <a:pos x="connsiteX1" y="connsiteY1"/>
+              </a:cxn>
+              <a:cxn ang="0">
+                <a:pos x="connsiteX2" y="connsiteY2"/>
+              </a:cxn>
+              <a:cxn ang="0">
+                <a:pos x="connsiteX3" y="connsiteY3"/>
+              </a:cxn>
+              <a:cxn ang="0">
+                <a:pos x="connsiteX4" y="connsiteY4"/>
+              </a:cxn>
+            </a:cxnLst>
+            <a:rect l="l" t="t" r="r" b="b"/>
+            <a:pathLst>
+              <a:path w="1135066" h="477997">
+                <a:moveTo>
+                  <a:pt x="0" y="0"/>
+                </a:moveTo>
+                <a:lnTo>
+                  <a:pt x="1135066" y="0"/>
+                </a:lnTo>
+                <a:lnTo>
+                  <a:pt x="1133370" y="16827"/>
+                </a:lnTo>
+                <a:cubicBezTo>
+                  <a:pt x="1079514" y="280016"/>
+                  <a:pt x="846644" y="477997"/>
+                  <a:pt x="567533" y="477997"/>
+                </a:cubicBezTo>
+                <a:cubicBezTo>
+                  <a:pt x="288422" y="477997"/>
+                  <a:pt x="55552" y="280016"/>
+                  <a:pt x="1696" y="16827"/>
+                </a:cubicBezTo>
+                <a:close/>
+              </a:path>
+            </a:pathLst>
+          </a:custGeom>
+          <a:solidFill>
+            <a:schemeClr val="accent4"/>
+          </a:solidFill>
+          <a:ln>
+            <a:noFill/>
+          </a:ln>
+        </p:spPr>
+        <p:style>
+          <a:lnRef idx="2">
+            <a:schemeClr val="accent1">
+              <a:shade val="50000"/>
+            </a:schemeClr>
+          </a:lnRef>
+          <a:fillRef idx="1">
+            <a:schemeClr val="accent1"/>
+          </a:fillRef>
+          <a:effectRef idx="0">
+            <a:schemeClr val="accent1"/>
+          </a:effectRef>
+          <a:fontRef idx="minor">
+            <a:schemeClr val="lt1"/>
+          </a:fontRef>
+        </p:style>
+        <p:txBody>
+          <a:bodyPr wrap="square" rtlCol="0" anchor="ctr">
+            <a:noAutofit/>
+          </a:bodyPr>
+          <a:lstStyle/>
+          <a:p>
+            <a:pPr algn="ctr"/>
+            <a:endParaRPr lang="en-US"/>
+          </a:p>
+        </p:txBody>
+      </p:sp>
+      <p:sp>
+        <p:nvSpPr>
+          <p:cNvPr id="17" name="Oval 16">
+            <a:extLst>
+              <a:ext uri="{FF2B5EF4-FFF2-40B4-BE49-F238E27FC236}">
+                <a16:creationId xmlns:a16="http://schemas.microsoft.com/office/drawing/2014/main" id="{AD3811F5-514E-49A4-B382-673ED228A4CC}"/>
+              </a:ext>
+              <a:ext uri="{C183D7F6-B498-43B3-948B-1728B52AA6E4}">
+                <adec:decorative xmlns:adec="http://schemas.microsoft.com/office/drawing/2017/decorative" val="1"/>
+              </a:ext>
+            </a:extLst>
+          </p:cNvPr>
+          <p:cNvSpPr>
+            <a:spLocks noGrp="1" noRot="1" noChangeAspect="1" noMove="1" noResize="1" noEditPoints="1" noAdjustHandles="1" noChangeArrowheads="1" noChangeShapeType="1" noTextEdit="1"/>
+          </p:cNvSpPr>
+          <p:nvPr>
+            <p:extLst>
+              <p:ext uri="{386F3935-93C4-4BCD-93E2-E3B085C9AB24}">
+                <p16:designElem xmlns:p16="http://schemas.microsoft.com/office/powerpoint/2015/main" val="1"/>
+              </p:ext>
+            </p:extLst>
+          </p:nvPr>
+        </p:nvSpPr>
+        <p:spPr>
+          <a:xfrm>
+            <a:off x="1569044" y="514898"/>
+            <a:ext cx="2393351" cy="2328423"/>
+          </a:xfrm>
+          <a:prstGeom prst="ellipse">
+            <a:avLst/>
+          </a:prstGeom>
+          <a:solidFill>
+            <a:schemeClr val="accent5"/>
+          </a:solidFill>
+          <a:ln>
+            <a:noFill/>
+          </a:ln>
+        </p:spPr>
+        <p:style>
+          <a:lnRef idx="2">
+            <a:schemeClr val="accent1">
+              <a:shade val="50000"/>
+            </a:schemeClr>
+          </a:lnRef>
+          <a:fillRef idx="1">
+            <a:schemeClr val="accent1"/>
+          </a:fillRef>
+          <a:effectRef idx="0">
+            <a:schemeClr val="accent1"/>
+          </a:effectRef>
+          <a:fontRef idx="minor">
+            <a:schemeClr val="lt1"/>
+          </a:fontRef>
+        </p:style>
+        <p:txBody>
+          <a:bodyPr rtlCol="0" anchor="ctr"/>
+          <a:lstStyle/>
+          <a:p>
+            <a:pPr marL="0" marR="0" lvl="0" indent="0" algn="ctr" defTabSz="914400" rtl="0" eaLnBrk="1" fontAlgn="auto" latinLnBrk="0" hangingPunct="1">
+              <a:lnSpc>
+                <a:spcPct val="100000"/>
+              </a:lnSpc>
+              <a:spcBef>
+                <a:spcPts val="0"/>
+              </a:spcBef>
+              <a:spcAft>
+                <a:spcPts val="0"/>
+              </a:spcAft>
+              <a:buClrTx/>
+              <a:buSzTx/>
+              <a:buFontTx/>
+              <a:buNone/>
+              <a:tabLst/>
+              <a:defRPr/>
+            </a:pPr>
+            <a:endParaRPr kumimoji="0" lang="en-US" sz="1800" b="0" i="0" u="none" strike="noStrike" kern="1200" cap="none" spc="0" normalizeH="0" baseline="0" noProof="0">
+              <a:ln>
+                <a:noFill/>
+              </a:ln>
+              <a:solidFill>
+                <a:srgbClr val="FFFFFF"/>
+              </a:solidFill>
+              <a:effectLst/>
+              <a:uLnTx/>
+              <a:uFillTx/>
+              <a:latin typeface="Calibri" panose="020F0502020204030204"/>
+              <a:ea typeface="+mn-ea"/>
+              <a:cs typeface="+mn-cs"/>
+            </a:endParaRPr>
+          </a:p>
+        </p:txBody>
+      </p:sp>
+      <p:sp>
+        <p:nvSpPr>
+          <p:cNvPr id="19" name="Freeform: Shape 18">
+            <a:extLst>
+              <a:ext uri="{FF2B5EF4-FFF2-40B4-BE49-F238E27FC236}">
+                <a16:creationId xmlns:a16="http://schemas.microsoft.com/office/drawing/2014/main" id="{067AD921-1CEE-4C1B-9AA3-C66D908DDD14}"/>
+              </a:ext>
+              <a:ext uri="{C183D7F6-B498-43B3-948B-1728B52AA6E4}">
+                <adec:decorative xmlns:adec="http://schemas.microsoft.com/office/drawing/2017/decorative" val="1"/>
+              </a:ext>
+            </a:extLst>
+          </p:cNvPr>
+          <p:cNvSpPr>
+            <a:spLocks noGrp="1" noRot="1" noChangeAspect="1" noMove="1" noResize="1" noEditPoints="1" noAdjustHandles="1" noChangeArrowheads="1" noChangeShapeType="1" noTextEdit="1"/>
+          </p:cNvSpPr>
+          <p:nvPr>
+            <p:extLst>
+              <p:ext uri="{386F3935-93C4-4BCD-93E2-E3B085C9AB24}">
+                <p16:designElem xmlns:p16="http://schemas.microsoft.com/office/powerpoint/2015/main" val="1"/>
+              </p:ext>
+            </p:extLst>
+          </p:nvPr>
+        </p:nvSpPr>
+        <p:spPr>
+          <a:xfrm flipH="1">
+            <a:off x="0" y="2949740"/>
+            <a:ext cx="1186451" cy="1771650"/>
+          </a:xfrm>
+          <a:custGeom>
+            <a:avLst/>
+            <a:gdLst>
+              <a:gd name="connsiteX0" fmla="*/ 61913 w 1186451"/>
+              <a:gd name="connsiteY0" fmla="*/ 0 h 1771650"/>
+              <a:gd name="connsiteX1" fmla="*/ 1186451 w 1186451"/>
+              <a:gd name="connsiteY1" fmla="*/ 0 h 1771650"/>
+              <a:gd name="connsiteX2" fmla="*/ 1186451 w 1186451"/>
+              <a:gd name="connsiteY2" fmla="*/ 123825 h 1771650"/>
+              <a:gd name="connsiteX3" fmla="*/ 123825 w 1186451"/>
+              <a:gd name="connsiteY3" fmla="*/ 123825 h 1771650"/>
+              <a:gd name="connsiteX4" fmla="*/ 123825 w 1186451"/>
+              <a:gd name="connsiteY4" fmla="*/ 1647825 h 1771650"/>
+              <a:gd name="connsiteX5" fmla="*/ 1186451 w 1186451"/>
+              <a:gd name="connsiteY5" fmla="*/ 1647825 h 1771650"/>
+              <a:gd name="connsiteX6" fmla="*/ 1186451 w 1186451"/>
+              <a:gd name="connsiteY6" fmla="*/ 1771650 h 1771650"/>
+              <a:gd name="connsiteX7" fmla="*/ 61913 w 1186451"/>
+              <a:gd name="connsiteY7" fmla="*/ 1771650 h 1771650"/>
+              <a:gd name="connsiteX8" fmla="*/ 0 w 1186451"/>
+              <a:gd name="connsiteY8" fmla="*/ 1709738 h 1771650"/>
+              <a:gd name="connsiteX9" fmla="*/ 0 w 1186451"/>
+              <a:gd name="connsiteY9" fmla="*/ 61913 h 1771650"/>
+              <a:gd name="connsiteX10" fmla="*/ 61913 w 1186451"/>
+              <a:gd name="connsiteY10" fmla="*/ 0 h 1771650"/>
+            </a:gdLst>
+            <a:ahLst/>
+            <a:cxnLst>
+              <a:cxn ang="0">
+                <a:pos x="connsiteX0" y="connsiteY0"/>
+              </a:cxn>
+              <a:cxn ang="0">
+                <a:pos x="connsiteX1" y="connsiteY1"/>
+              </a:cxn>
+              <a:cxn ang="0">
+                <a:pos x="connsiteX2" y="connsiteY2"/>
+              </a:cxn>
+              <a:cxn ang="0">
+                <a:pos x="connsiteX3" y="connsiteY3"/>
+              </a:cxn>
+              <a:cxn ang="0">
+                <a:pos x="connsiteX4" y="connsiteY4"/>
+              </a:cxn>
+              <a:cxn ang="0">
+                <a:pos x="connsiteX5" y="connsiteY5"/>
+              </a:cxn>
+              <a:cxn ang="0">
+                <a:pos x="connsiteX6" y="connsiteY6"/>
+              </a:cxn>
+              <a:cxn ang="0">
+                <a:pos x="connsiteX7" y="connsiteY7"/>
+              </a:cxn>
+              <a:cxn ang="0">
+                <a:pos x="connsiteX8" y="connsiteY8"/>
+              </a:cxn>
+              <a:cxn ang="0">
+                <a:pos x="connsiteX9" y="connsiteY9"/>
+              </a:cxn>
+              <a:cxn ang="0">
+                <a:pos x="connsiteX10" y="connsiteY10"/>
+              </a:cxn>
+            </a:cxnLst>
+            <a:rect l="l" t="t" r="r" b="b"/>
+            <a:pathLst>
+              <a:path w="1186451" h="1771650">
+                <a:moveTo>
+                  <a:pt x="61913" y="0"/>
+                </a:moveTo>
+                <a:lnTo>
+                  <a:pt x="1186451" y="0"/>
+                </a:lnTo>
+                <a:lnTo>
+                  <a:pt x="1186451" y="123825"/>
+                </a:lnTo>
+                <a:lnTo>
+                  <a:pt x="123825" y="123825"/>
+                </a:lnTo>
+                <a:lnTo>
+                  <a:pt x="123825" y="1647825"/>
+                </a:lnTo>
+                <a:lnTo>
+                  <a:pt x="1186451" y="1647825"/>
+                </a:lnTo>
+                <a:lnTo>
+                  <a:pt x="1186451" y="1771650"/>
+                </a:lnTo>
+                <a:lnTo>
+                  <a:pt x="61913" y="1771650"/>
+                </a:lnTo>
+                <a:cubicBezTo>
+                  <a:pt x="27719" y="1771650"/>
+                  <a:pt x="0" y="1743932"/>
+                  <a:pt x="0" y="1709738"/>
+                </a:cubicBezTo>
+                <a:lnTo>
+                  <a:pt x="0" y="61913"/>
+                </a:lnTo>
+                <a:cubicBezTo>
+                  <a:pt x="0" y="27719"/>
+                  <a:pt x="27719" y="0"/>
+                  <a:pt x="61913" y="0"/>
+                </a:cubicBezTo>
+                <a:close/>
+              </a:path>
+            </a:pathLst>
+          </a:custGeom>
+          <a:solidFill>
+            <a:schemeClr val="accent6"/>
+          </a:solidFill>
+          <a:ln w="9525" cap="flat">
+            <a:noFill/>
+            <a:prstDash val="solid"/>
+            <a:miter/>
+          </a:ln>
+        </p:spPr>
+        <p:txBody>
+          <a:bodyPr rtlCol="0" anchor="ctr"/>
+          <a:lstStyle/>
+          <a:p>
+            <a:endParaRPr lang="en-US"/>
+          </a:p>
+        </p:txBody>
+      </p:sp>
+      <p:sp>
+        <p:nvSpPr>
+          <p:cNvPr id="21" name="Arc 20">
+            <a:extLst>
+              <a:ext uri="{FF2B5EF4-FFF2-40B4-BE49-F238E27FC236}">
+                <a16:creationId xmlns:a16="http://schemas.microsoft.com/office/drawing/2014/main" id="{C36A08F5-3B56-47C5-A371-9187BE56E1E5}"/>
+              </a:ext>
+              <a:ext uri="{C183D7F6-B498-43B3-948B-1728B52AA6E4}">
+                <adec:decorative xmlns:adec="http://schemas.microsoft.com/office/drawing/2017/decorative" val="1"/>
+              </a:ext>
+            </a:extLst>
+          </p:cNvPr>
+          <p:cNvSpPr>
+            <a:spLocks noGrp="1" noRot="1" noChangeAspect="1" noMove="1" noResize="1" noEditPoints="1" noAdjustHandles="1" noChangeArrowheads="1" noChangeShapeType="1" noTextEdit="1"/>
+          </p:cNvSpPr>
+          <p:nvPr>
+            <p:extLst>
+              <p:ext uri="{386F3935-93C4-4BCD-93E2-E3B085C9AB24}">
+                <p16:designElem xmlns:p16="http://schemas.microsoft.com/office/powerpoint/2015/main" val="1"/>
+              </p:ext>
+            </p:extLst>
+          </p:nvPr>
+        </p:nvSpPr>
+        <p:spPr>
+          <a:xfrm rot="16200000">
+            <a:off x="1539683" y="4203427"/>
+            <a:ext cx="4083433" cy="4083433"/>
+          </a:xfrm>
+          <a:prstGeom prst="arc">
+            <a:avLst/>
+          </a:prstGeom>
+          <a:ln w="127000" cap="rnd">
+            <a:solidFill>
+              <a:schemeClr val="accent4"/>
+            </a:solidFill>
+            <a:prstDash val="dash"/>
+          </a:ln>
+        </p:spPr>
+        <p:style>
+          <a:lnRef idx="1">
+            <a:schemeClr val="accent1"/>
+          </a:lnRef>
+          <a:fillRef idx="0">
+            <a:schemeClr val="accent1"/>
+          </a:fillRef>
+          <a:effectRef idx="0">
+            <a:schemeClr val="accent1"/>
+          </a:effectRef>
+          <a:fontRef idx="minor">
+            <a:schemeClr val="tx1"/>
+          </a:fontRef>
+        </p:style>
+        <p:txBody>
+          <a:bodyPr rtlCol="0" anchor="ctr"/>
+          <a:lstStyle/>
+          <a:p>
+            <a:pPr algn="ctr"/>
+            <a:endParaRPr lang="en-US" dirty="0"/>
+          </a:p>
+        </p:txBody>
+      </p:sp>
+    </p:spTree>
+    <p:extLst>
+      <p:ext uri="{BB962C8B-B14F-4D97-AF65-F5344CB8AC3E}">
+        <p14:creationId xmlns:p14="http://schemas.microsoft.com/office/powerpoint/2010/main" val="2309985158"/>
+      </p:ext>
+    </p:extLst>
+  </p:cSld>
+  <p:clrMapOvr>
+    <a:masterClrMapping/>
+  </p:clrMapOvr>
+</p:sld>
+</file>
+
 <file path=ppt/slides/slide2.xml><?xml version="1.0" encoding="utf-8"?>
 <p:sld xmlns:a="http://schemas.openxmlformats.org/drawingml/2006/main" xmlns:r="http://schemas.openxmlformats.org/officeDocument/2006/relationships" xmlns:p="http://schemas.openxmlformats.org/presentationml/2006/main">
   <p:cSld>
@@ -35368,6 +36294,14 @@
 <file path=ppt/slides/slide7.xml><?xml version="1.0" encoding="utf-8"?>
 <p:sld xmlns:a="http://schemas.openxmlformats.org/drawingml/2006/main" xmlns:r="http://schemas.openxmlformats.org/officeDocument/2006/relationships" xmlns:p="http://schemas.openxmlformats.org/presentationml/2006/main">
   <p:cSld>
+    <p:bg>
+      <p:bgPr>
+        <a:solidFill>
+          <a:schemeClr val="bg1"/>
+        </a:solidFill>
+        <a:effectLst/>
+      </p:bgPr>
+    </p:bg>
     <p:spTree>
       <p:nvGrpSpPr>
         <p:cNvPr id="1" name=""/>
@@ -35382,6 +36316,66 @@
           <a:chExt cx="0" cy="0"/>
         </a:xfrm>
       </p:grpSpPr>
+      <p:sp useBgFill="1">
+        <p:nvSpPr>
+          <p:cNvPr id="17" name="Rectangle 16">
+            <a:extLst>
+              <a:ext uri="{FF2B5EF4-FFF2-40B4-BE49-F238E27FC236}">
+                <a16:creationId xmlns:a16="http://schemas.microsoft.com/office/drawing/2014/main" id="{32AEEBC8-9D30-42EF-95F2-386C2653FBF0}"/>
+              </a:ext>
+              <a:ext uri="{C183D7F6-B498-43B3-948B-1728B52AA6E4}">
+                <adec:decorative xmlns:adec="http://schemas.microsoft.com/office/drawing/2017/decorative" val="1"/>
+              </a:ext>
+            </a:extLst>
+          </p:cNvPr>
+          <p:cNvSpPr>
+            <a:spLocks noGrp="1" noRot="1" noChangeAspect="1" noMove="1" noResize="1" noEditPoints="1" noAdjustHandles="1" noChangeArrowheads="1" noChangeShapeType="1" noTextEdit="1"/>
+          </p:cNvSpPr>
+          <p:nvPr>
+            <p:extLst>
+              <p:ext uri="{386F3935-93C4-4BCD-93E2-E3B085C9AB24}">
+                <p16:designElem xmlns:p16="http://schemas.microsoft.com/office/powerpoint/2015/main" val="1"/>
+              </p:ext>
+            </p:extLst>
+          </p:nvPr>
+        </p:nvSpPr>
+        <p:spPr>
+          <a:xfrm>
+            <a:off x="0" y="0"/>
+            <a:ext cx="12192000" cy="6858000"/>
+          </a:xfrm>
+          <a:prstGeom prst="rect">
+            <a:avLst/>
+          </a:prstGeom>
+          <a:ln>
+            <a:noFill/>
+          </a:ln>
+        </p:spPr>
+        <p:style>
+          <a:lnRef idx="2">
+            <a:schemeClr val="accent1">
+              <a:shade val="50000"/>
+            </a:schemeClr>
+          </a:lnRef>
+          <a:fillRef idx="1">
+            <a:schemeClr val="accent1"/>
+          </a:fillRef>
+          <a:effectRef idx="0">
+            <a:schemeClr val="accent1"/>
+          </a:effectRef>
+          <a:fontRef idx="minor">
+            <a:schemeClr val="lt1"/>
+          </a:fontRef>
+        </p:style>
+        <p:txBody>
+          <a:bodyPr rtlCol="0" anchor="ctr"/>
+          <a:lstStyle/>
+          <a:p>
+            <a:pPr algn="ctr"/>
+            <a:endParaRPr lang="en-US"/>
+          </a:p>
+        </p:txBody>
+      </p:sp>
       <p:sp>
         <p:nvSpPr>
           <p:cNvPr id="2" name="Title 1">
@@ -35411,7 +36405,14 @@
           <a:lstStyle/>
           <a:p>
             <a:r>
-              <a:rPr lang="en-US" sz="3400"/>
+              <a:rPr lang="en-US" sz="3400" kern="1200">
+                <a:solidFill>
+                  <a:schemeClr val="tx1"/>
+                </a:solidFill>
+                <a:latin typeface="+mj-lt"/>
+                <a:ea typeface="+mj-ea"/>
+                <a:cs typeface="+mj-cs"/>
+              </a:rPr>
               <a:t>length_of_serivce</a:t>
             </a:r>
             <a:endParaRPr lang="en-US" sz="3400" kern="1200" dirty="0">
@@ -35422,6 +36423,229 @@
               <a:ea typeface="+mj-ea"/>
               <a:cs typeface="+mj-cs"/>
             </a:endParaRPr>
+          </a:p>
+        </p:txBody>
+      </p:sp>
+      <p:sp>
+        <p:nvSpPr>
+          <p:cNvPr id="19" name="sketch line">
+            <a:extLst>
+              <a:ext uri="{FF2B5EF4-FFF2-40B4-BE49-F238E27FC236}">
+                <a16:creationId xmlns:a16="http://schemas.microsoft.com/office/drawing/2014/main" id="{2E92FA66-67D7-4CB4-94D3-E643A9AD4757}"/>
+              </a:ext>
+              <a:ext uri="{C183D7F6-B498-43B3-948B-1728B52AA6E4}">
+                <adec:decorative xmlns:adec="http://schemas.microsoft.com/office/drawing/2017/decorative" val="1"/>
+              </a:ext>
+            </a:extLst>
+          </p:cNvPr>
+          <p:cNvSpPr>
+            <a:spLocks noGrp="1" noRot="1" noChangeAspect="1" noMove="1" noResize="1" noEditPoints="1" noAdjustHandles="1" noChangeArrowheads="1" noChangeShapeType="1" noTextEdit="1"/>
+          </p:cNvSpPr>
+          <p:nvPr>
+            <p:extLst>
+              <p:ext uri="{386F3935-93C4-4BCD-93E2-E3B085C9AB24}">
+                <p16:designElem xmlns:p16="http://schemas.microsoft.com/office/powerpoint/2015/main" val="1"/>
+              </p:ext>
+            </p:extLst>
+          </p:nvPr>
+        </p:nvSpPr>
+        <p:spPr>
+          <a:xfrm rot="5400000">
+            <a:off x="3566159" y="1225296"/>
+            <a:ext cx="1554480" cy="18288"/>
+          </a:xfrm>
+          <a:custGeom>
+            <a:avLst/>
+            <a:gdLst>
+              <a:gd name="connsiteX0" fmla="*/ 0 w 1554480"/>
+              <a:gd name="connsiteY0" fmla="*/ 0 h 18288"/>
+              <a:gd name="connsiteX1" fmla="*/ 549250 w 1554480"/>
+              <a:gd name="connsiteY1" fmla="*/ 0 h 18288"/>
+              <a:gd name="connsiteX2" fmla="*/ 1082954 w 1554480"/>
+              <a:gd name="connsiteY2" fmla="*/ 0 h 18288"/>
+              <a:gd name="connsiteX3" fmla="*/ 1554480 w 1554480"/>
+              <a:gd name="connsiteY3" fmla="*/ 0 h 18288"/>
+              <a:gd name="connsiteX4" fmla="*/ 1554480 w 1554480"/>
+              <a:gd name="connsiteY4" fmla="*/ 18288 h 18288"/>
+              <a:gd name="connsiteX5" fmla="*/ 1067410 w 1554480"/>
+              <a:gd name="connsiteY5" fmla="*/ 18288 h 18288"/>
+              <a:gd name="connsiteX6" fmla="*/ 549250 w 1554480"/>
+              <a:gd name="connsiteY6" fmla="*/ 18288 h 18288"/>
+              <a:gd name="connsiteX7" fmla="*/ 0 w 1554480"/>
+              <a:gd name="connsiteY7" fmla="*/ 18288 h 18288"/>
+              <a:gd name="connsiteX8" fmla="*/ 0 w 1554480"/>
+              <a:gd name="connsiteY8" fmla="*/ 0 h 18288"/>
+            </a:gdLst>
+            <a:ahLst/>
+            <a:cxnLst>
+              <a:cxn ang="0">
+                <a:pos x="connsiteX0" y="connsiteY0"/>
+              </a:cxn>
+              <a:cxn ang="0">
+                <a:pos x="connsiteX1" y="connsiteY1"/>
+              </a:cxn>
+              <a:cxn ang="0">
+                <a:pos x="connsiteX2" y="connsiteY2"/>
+              </a:cxn>
+              <a:cxn ang="0">
+                <a:pos x="connsiteX3" y="connsiteY3"/>
+              </a:cxn>
+              <a:cxn ang="0">
+                <a:pos x="connsiteX4" y="connsiteY4"/>
+              </a:cxn>
+              <a:cxn ang="0">
+                <a:pos x="connsiteX5" y="connsiteY5"/>
+              </a:cxn>
+              <a:cxn ang="0">
+                <a:pos x="connsiteX6" y="connsiteY6"/>
+              </a:cxn>
+              <a:cxn ang="0">
+                <a:pos x="connsiteX7" y="connsiteY7"/>
+              </a:cxn>
+              <a:cxn ang="0">
+                <a:pos x="connsiteX8" y="connsiteY8"/>
+              </a:cxn>
+            </a:cxnLst>
+            <a:rect l="l" t="t" r="r" b="b"/>
+            <a:pathLst>
+              <a:path w="1554480" h="18288" fill="none" extrusionOk="0">
+                <a:moveTo>
+                  <a:pt x="0" y="0"/>
+                </a:moveTo>
+                <a:cubicBezTo>
+                  <a:pt x="114141" y="-19864"/>
+                  <a:pt x="345055" y="-1657"/>
+                  <a:pt x="549250" y="0"/>
+                </a:cubicBezTo>
+                <a:cubicBezTo>
+                  <a:pt x="753445" y="1657"/>
+                  <a:pt x="862292" y="-5674"/>
+                  <a:pt x="1082954" y="0"/>
+                </a:cubicBezTo>
+                <a:cubicBezTo>
+                  <a:pt x="1303616" y="5674"/>
+                  <a:pt x="1363530" y="4537"/>
+                  <a:pt x="1554480" y="0"/>
+                </a:cubicBezTo>
+                <a:cubicBezTo>
+                  <a:pt x="1554963" y="7176"/>
+                  <a:pt x="1553909" y="13682"/>
+                  <a:pt x="1554480" y="18288"/>
+                </a:cubicBezTo>
+                <a:cubicBezTo>
+                  <a:pt x="1338847" y="6127"/>
+                  <a:pt x="1215066" y="37851"/>
+                  <a:pt x="1067410" y="18288"/>
+                </a:cubicBezTo>
+                <a:cubicBezTo>
+                  <a:pt x="919754" y="-1275"/>
+                  <a:pt x="800465" y="3080"/>
+                  <a:pt x="549250" y="18288"/>
+                </a:cubicBezTo>
+                <a:cubicBezTo>
+                  <a:pt x="298035" y="33496"/>
+                  <a:pt x="158868" y="22769"/>
+                  <a:pt x="0" y="18288"/>
+                </a:cubicBezTo>
+                <a:cubicBezTo>
+                  <a:pt x="-655" y="13237"/>
+                  <a:pt x="709" y="4645"/>
+                  <a:pt x="0" y="0"/>
+                </a:cubicBezTo>
+                <a:close/>
+              </a:path>
+              <a:path w="1554480" h="18288" stroke="0" extrusionOk="0">
+                <a:moveTo>
+                  <a:pt x="0" y="0"/>
+                </a:moveTo>
+                <a:cubicBezTo>
+                  <a:pt x="249941" y="-58"/>
+                  <a:pt x="367334" y="23448"/>
+                  <a:pt x="502615" y="0"/>
+                </a:cubicBezTo>
+                <a:cubicBezTo>
+                  <a:pt x="637897" y="-23448"/>
+                  <a:pt x="813653" y="-20418"/>
+                  <a:pt x="974141" y="0"/>
+                </a:cubicBezTo>
+                <a:cubicBezTo>
+                  <a:pt x="1134629" y="20418"/>
+                  <a:pt x="1268772" y="6288"/>
+                  <a:pt x="1554480" y="0"/>
+                </a:cubicBezTo>
+                <a:cubicBezTo>
+                  <a:pt x="1554917" y="7222"/>
+                  <a:pt x="1555359" y="13299"/>
+                  <a:pt x="1554480" y="18288"/>
+                </a:cubicBezTo>
+                <a:cubicBezTo>
+                  <a:pt x="1336087" y="12172"/>
+                  <a:pt x="1310024" y="19759"/>
+                  <a:pt x="1067410" y="18288"/>
+                </a:cubicBezTo>
+                <a:cubicBezTo>
+                  <a:pt x="824796" y="16818"/>
+                  <a:pt x="787902" y="34647"/>
+                  <a:pt x="518160" y="18288"/>
+                </a:cubicBezTo>
+                <a:cubicBezTo>
+                  <a:pt x="248418" y="1930"/>
+                  <a:pt x="133160" y="9205"/>
+                  <a:pt x="0" y="18288"/>
+                </a:cubicBezTo>
+                <a:cubicBezTo>
+                  <a:pt x="-643" y="9451"/>
+                  <a:pt x="-340" y="7114"/>
+                  <a:pt x="0" y="0"/>
+                </a:cubicBezTo>
+                <a:close/>
+              </a:path>
+            </a:pathLst>
+          </a:custGeom>
+          <a:solidFill>
+            <a:schemeClr val="accent2"/>
+          </a:solidFill>
+          <a:ln w="41275" cap="rnd">
+            <a:solidFill>
+              <a:schemeClr val="accent2"/>
+            </a:solidFill>
+            <a:round/>
+            <a:extLst>
+              <a:ext uri="{C807C97D-BFC1-408E-A445-0C87EB9F89A2}">
+                <ask:lineSketchStyleProps xmlns:ask="http://schemas.microsoft.com/office/drawing/2018/sketchyshapes" sd="1219033472">
+                  <a:prstGeom prst="rect">
+                    <a:avLst/>
+                  </a:prstGeom>
+                  <ask:type>
+                    <ask:lineSketchFreehand/>
+                  </ask:type>
+                </ask:lineSketchStyleProps>
+              </a:ext>
+            </a:extLst>
+          </a:ln>
+        </p:spPr>
+        <p:style>
+          <a:lnRef idx="2">
+            <a:schemeClr val="accent1">
+              <a:shade val="50000"/>
+            </a:schemeClr>
+          </a:lnRef>
+          <a:fillRef idx="1">
+            <a:schemeClr val="accent1"/>
+          </a:fillRef>
+          <a:effectRef idx="0">
+            <a:schemeClr val="accent1"/>
+          </a:effectRef>
+          <a:fontRef idx="minor">
+            <a:schemeClr val="lt1"/>
+          </a:fontRef>
+        </p:style>
+        <p:txBody>
+          <a:bodyPr rtlCol="0" anchor="ctr"/>
+          <a:lstStyle/>
+          <a:p>
+            <a:pPr algn="ctr"/>
+            <a:endParaRPr lang="en-US"/>
           </a:p>
         </p:txBody>
       </p:sp>
@@ -35463,7 +36687,7 @@
               <a:buChar char="•"/>
             </a:pPr>
             <a:r>
-              <a:rPr lang="en-US" b="0" i="0" dirty="0">
+              <a:rPr lang="en-US" sz="1700" b="0" i="0">
                 <a:effectLst/>
                 <a:highlight>
                   <a:srgbClr val="FFFFFF"/>
@@ -35484,12 +36708,44 @@
               <a:buChar char="•"/>
             </a:pPr>
             <a:r>
-              <a:rPr lang="en-US" dirty="0"/>
+              <a:rPr lang="en-US" sz="1700"/>
               <a:t>After about 5 years of service, the likelihood of resignation seems to diminish, and those who have stayed longer tend to continue staying.</a:t>
             </a:r>
           </a:p>
         </p:txBody>
       </p:sp>
+      <p:pic>
+        <p:nvPicPr>
+          <p:cNvPr id="7" name="Content Placeholder 6" descr="A comparison of graphs and diagrams&#10;&#10;Description automatically generated">
+            <a:extLst>
+              <a:ext uri="{FF2B5EF4-FFF2-40B4-BE49-F238E27FC236}">
+                <a16:creationId xmlns:a16="http://schemas.microsoft.com/office/drawing/2014/main" id="{A62E64D5-D42C-DD7C-C911-42C3D9C37784}"/>
+              </a:ext>
+            </a:extLst>
+          </p:cNvPr>
+          <p:cNvPicPr>
+            <a:picLocks noGrp="1" noChangeAspect="1"/>
+          </p:cNvPicPr>
+          <p:nvPr>
+            <p:ph idx="1"/>
+          </p:nvPr>
+        </p:nvPicPr>
+        <p:blipFill>
+          <a:blip r:embed="rId2"/>
+          <a:stretch>
+            <a:fillRect/>
+          </a:stretch>
+        </p:blipFill>
+        <p:spPr>
+          <a:xfrm>
+            <a:off x="1140715" y="2290936"/>
+            <a:ext cx="9898378" cy="3959352"/>
+          </a:xfrm>
+          <a:prstGeom prst="rect">
+            <a:avLst/>
+          </a:prstGeom>
+        </p:spPr>
+      </p:pic>
       <p:sp>
         <p:nvSpPr>
           <p:cNvPr id="6" name="TextBox 5">
@@ -35529,35 +36785,6 @@
           </a:p>
         </p:txBody>
       </p:sp>
-      <p:pic>
-        <p:nvPicPr>
-          <p:cNvPr id="7" name="Content Placeholder 6">
-            <a:extLst>
-              <a:ext uri="{FF2B5EF4-FFF2-40B4-BE49-F238E27FC236}">
-                <a16:creationId xmlns:a16="http://schemas.microsoft.com/office/drawing/2014/main" id="{A62E64D5-D42C-DD7C-C911-42C3D9C37784}"/>
-              </a:ext>
-            </a:extLst>
-          </p:cNvPr>
-          <p:cNvPicPr>
-            <a:picLocks noGrp="1" noChangeAspect="1"/>
-          </p:cNvPicPr>
-          <p:nvPr>
-            <p:ph idx="1"/>
-          </p:nvPr>
-        </p:nvPicPr>
-        <p:blipFill>
-          <a:blip r:embed="rId2"/>
-          <a:stretch>
-            <a:fillRect/>
-          </a:stretch>
-        </p:blipFill>
-        <p:spPr>
-          <a:xfrm>
-            <a:off x="500981" y="2154785"/>
-            <a:ext cx="11184200" cy="4479386"/>
-          </a:xfrm>
-        </p:spPr>
-      </p:pic>
     </p:spTree>
     <p:extLst>
       <p:ext uri="{BB962C8B-B14F-4D97-AF65-F5344CB8AC3E}">
